--- a/DNS子域授权.pptx
+++ b/DNS子域授权.pptx
@@ -6,10 +6,14 @@
   </p:sldMasterIdLst>
   <p:sldIdLst>
     <p:sldId id="256" r:id="rId3"/>
-    <p:sldId id="257" r:id="rId4"/>
-    <p:sldId id="258" r:id="rId5"/>
-    <p:sldId id="259" r:id="rId6"/>
-    <p:sldId id="260" r:id="rId7"/>
+    <p:sldId id="264" r:id="rId4"/>
+    <p:sldId id="266" r:id="rId5"/>
+    <p:sldId id="268" r:id="rId6"/>
+    <p:sldId id="261" r:id="rId7"/>
+    <p:sldId id="262" r:id="rId8"/>
+    <p:sldId id="263" r:id="rId9"/>
+    <p:sldId id="267" r:id="rId10"/>
+    <p:sldId id="265" r:id="rId11"/>
   </p:sldIdLst>
   <p:sldSz cx="12192000" cy="6858000"/>
   <p:notesSz cx="6858000" cy="9144000"/>
@@ -112,79 +116,48 @@
 </file>
 
 <file path=ppt/slideLayouts/slideLayout1.xml><?xml version="1.0" encoding="utf-8"?>
-<p:sldLayout xmlns:a="http://schemas.openxmlformats.org/drawingml/2006/main" xmlns:r="http://schemas.openxmlformats.org/officeDocument/2006/relationships" xmlns:p="http://schemas.openxmlformats.org/presentationml/2006/main" type="title" showMasterPhAnim="0">
+<p:sldLayout xmlns:a="http://schemas.openxmlformats.org/drawingml/2006/main" xmlns:r="http://schemas.openxmlformats.org/officeDocument/2006/relationships" xmlns:p="http://schemas.openxmlformats.org/presentationml/2006/main" type="title" preserve="1">
   <p:cSld name="标题幻灯片">
-    <p:bg>
-      <p:bgPr>
-        <a:blipFill rotWithShape="0">
-          <a:blip r:embed="rId2"/>
-          <a:stretch>
-            <a:fillRect/>
-          </a:stretch>
-        </a:blipFill>
-        <a:effectLst/>
-      </p:bgPr>
-    </p:bg>
     <p:spTree>
       <p:nvGrpSpPr>
         <p:cNvPr id="1" name=""/>
         <p:cNvGrpSpPr/>
         <p:nvPr/>
       </p:nvGrpSpPr>
-      <p:grpSpPr/>
-      <p:sp>
-        <p:nvSpPr>
-          <p:cNvPr id="2050" name="标题 2049"/>
-          <p:cNvSpPr/>
+      <p:grpSpPr>
+        <a:xfrm>
+          <a:off x="0" y="0"/>
+          <a:ext cx="0" cy="0"/>
+          <a:chOff x="0" y="0"/>
+          <a:chExt cx="0" cy="0"/>
+        </a:xfrm>
+      </p:grpSpPr>
+      <p:sp>
+        <p:nvSpPr>
+          <p:cNvPr id="2" name="标题 1"/>
+          <p:cNvSpPr>
+            <a:spLocks noGrp="1"/>
+          </p:cNvSpPr>
           <p:nvPr>
             <p:ph type="ctrTitle"/>
           </p:nvPr>
         </p:nvSpPr>
         <p:spPr>
           <a:xfrm>
-            <a:off x="1678517" y="1628775"/>
-            <a:ext cx="8737600" cy="1871663"/>
+            <a:off x="1524000" y="1122363"/>
+            <a:ext cx="9144000" cy="2387600"/>
           </a:xfrm>
-          <a:prstGeom prst="rect">
-            <a:avLst/>
-          </a:prstGeom>
-          <a:noFill/>
-          <a:ln w="9525">
-            <a:noFill/>
-            <a:miter/>
-          </a:ln>
         </p:spPr>
         <p:txBody>
-          <a:bodyPr anchor="ctr"/>
+          <a:bodyPr anchor="b"/>
           <a:lstStyle>
-            <a:lvl1pPr marL="0" lvl="0" indent="0" algn="l" eaLnBrk="1" fontAlgn="base" latinLnBrk="0" hangingPunct="1">
-              <a:lnSpc>
-                <a:spcPct val="100000"/>
-              </a:lnSpc>
-              <a:spcBef>
-                <a:spcPct val="20000"/>
-              </a:spcBef>
-              <a:spcAft>
-                <a:spcPct val="0"/>
-              </a:spcAft>
-              <a:buClr>
-                <a:srgbClr val="000000"/>
-              </a:buClr>
-              <a:buNone/>
-              <a:defRPr sz="3600" b="0" i="0" u="none" kern="1200" baseline="0">
-                <a:solidFill>
-                  <a:schemeClr val="accent2"/>
-                </a:solidFill>
-                <a:latin typeface="Arial" panose="02080604020202020204" charset="0"/>
-                <a:ea typeface="宋体" charset="0"/>
-                <a:sym typeface="Arial" panose="02080604020202020204" charset="0"/>
-              </a:defRPr>
+            <a:lvl1pPr algn="ctr">
+              <a:defRPr sz="4500"/>
             </a:lvl1pPr>
           </a:lstStyle>
           <a:p>
-            <a:pPr lvl="0"/>
-            <a:r>
-              <a:rPr lang="zh-CN" altLang="en-US"/>
+            <a:r>
+              <a:rPr lang="zh-CN" altLang="en-US" smtClean="0"/>
               <a:t>单击此处编辑母版标题样式</a:t>
             </a:r>
             <a:endParaRPr lang="zh-CN" altLang="en-US"/>
@@ -193,54 +166,63 @@
       </p:sp>
       <p:sp>
         <p:nvSpPr>
-          <p:cNvPr id="2051" name="副标题 2050"/>
-          <p:cNvSpPr/>
+          <p:cNvPr id="3" name="副标题 2"/>
+          <p:cNvSpPr>
+            <a:spLocks noGrp="1"/>
+          </p:cNvSpPr>
           <p:nvPr>
             <p:ph type="subTitle" idx="1"/>
           </p:nvPr>
         </p:nvSpPr>
         <p:spPr>
           <a:xfrm>
-            <a:off x="1775884" y="4005263"/>
-            <a:ext cx="8534400" cy="1008062"/>
+            <a:off x="1524000" y="3602038"/>
+            <a:ext cx="9144000" cy="1655762"/>
           </a:xfrm>
-          <a:prstGeom prst="rect">
-            <a:avLst/>
-          </a:prstGeom>
-          <a:noFill/>
-          <a:ln w="9525">
-            <a:noFill/>
-            <a:miter/>
-          </a:ln>
         </p:spPr>
         <p:txBody>
-          <a:bodyPr anchor="ctr"/>
+          <a:bodyPr/>
           <a:lstStyle>
-            <a:lvl1pPr marL="0" lvl="0" indent="0" algn="l">
-              <a:buNone/>
-              <a:defRPr b="1" kern="1200"/>
+            <a:lvl1pPr marL="0" indent="0" algn="ctr">
+              <a:buNone/>
+              <a:defRPr sz="1800"/>
             </a:lvl1pPr>
-            <a:lvl2pPr marL="457200" lvl="1" indent="-457200" algn="ctr">
-              <a:buNone/>
-              <a:defRPr b="1" kern="1200"/>
+            <a:lvl2pPr marL="342900" indent="0" algn="ctr">
+              <a:buNone/>
+              <a:defRPr sz="1500"/>
             </a:lvl2pPr>
-            <a:lvl3pPr marL="914400" lvl="2" indent="-914400" algn="ctr">
-              <a:buNone/>
-              <a:defRPr b="1" kern="1200"/>
+            <a:lvl3pPr marL="685800" indent="0" algn="ctr">
+              <a:buNone/>
+              <a:defRPr sz="1350"/>
             </a:lvl3pPr>
-            <a:lvl4pPr marL="1371600" lvl="3" indent="-1371600" algn="ctr">
-              <a:buNone/>
-              <a:defRPr b="1" kern="1200"/>
+            <a:lvl4pPr marL="1028700" indent="0" algn="ctr">
+              <a:buNone/>
+              <a:defRPr sz="1200"/>
             </a:lvl4pPr>
-            <a:lvl5pPr marL="1828800" lvl="4" indent="-1828800" algn="ctr">
-              <a:buNone/>
-              <a:defRPr b="1" kern="1200"/>
+            <a:lvl5pPr marL="1371600" indent="0" algn="ctr">
+              <a:buNone/>
+              <a:defRPr sz="1200"/>
             </a:lvl5pPr>
+            <a:lvl6pPr marL="1714500" indent="0" algn="ctr">
+              <a:buNone/>
+              <a:defRPr sz="1200"/>
+            </a:lvl6pPr>
+            <a:lvl7pPr marL="2057400" indent="0" algn="ctr">
+              <a:buNone/>
+              <a:defRPr sz="1200"/>
+            </a:lvl7pPr>
+            <a:lvl8pPr marL="2400300" indent="0" algn="ctr">
+              <a:buNone/>
+              <a:defRPr sz="1200"/>
+            </a:lvl8pPr>
+            <a:lvl9pPr marL="2743200" indent="0" algn="ctr">
+              <a:buNone/>
+              <a:defRPr sz="1200"/>
+            </a:lvl9pPr>
           </a:lstStyle>
           <a:p>
-            <a:pPr lvl="0"/>
-            <a:r>
-              <a:rPr lang="zh-CN" altLang="en-US"/>
+            <a:r>
+              <a:rPr lang="zh-CN" altLang="en-US" smtClean="0"/>
               <a:t>单击此处编辑母版副标题样式</a:t>
             </a:r>
             <a:endParaRPr lang="zh-CN" altLang="en-US"/>
@@ -249,89 +231,59 @@
       </p:sp>
       <p:sp>
         <p:nvSpPr>
-          <p:cNvPr id="2052" name="日期占位符 2051"/>
-          <p:cNvSpPr/>
-          <p:nvPr>
-            <p:ph type="dt" sz="half" idx="2"/>
-          </p:nvPr>
-        </p:nvSpPr>
-        <p:spPr>
-          <a:xfrm>
-            <a:off x="609600" y="6245225"/>
-            <a:ext cx="2844800" cy="476250"/>
-          </a:xfrm>
-          <a:prstGeom prst="rect">
-            <a:avLst/>
-          </a:prstGeom>
-          <a:noFill/>
-          <a:ln w="9525">
-            <a:noFill/>
-            <a:miter/>
-          </a:ln>
-        </p:spPr>
-        <p:txBody>
-          <a:bodyPr anchor="t"/>
-          <a:p>
-            <a:endParaRPr lang="zh-CN" altLang="en-US"/>
-          </a:p>
-        </p:txBody>
-      </p:sp>
-      <p:sp>
-        <p:nvSpPr>
-          <p:cNvPr id="2053" name="页脚占位符 2052"/>
-          <p:cNvSpPr/>
-          <p:nvPr>
-            <p:ph type="ftr" sz="quarter" idx="3"/>
-          </p:nvPr>
-        </p:nvSpPr>
-        <p:spPr>
-          <a:xfrm>
-            <a:off x="4165600" y="6245225"/>
-            <a:ext cx="3860800" cy="476250"/>
-          </a:xfrm>
-          <a:prstGeom prst="rect">
-            <a:avLst/>
-          </a:prstGeom>
-          <a:noFill/>
-          <a:ln w="9525">
-            <a:noFill/>
-            <a:miter/>
-          </a:ln>
-        </p:spPr>
-        <p:txBody>
-          <a:bodyPr anchor="t"/>
-          <a:p>
-            <a:endParaRPr lang="zh-CN" altLang="en-US"/>
-          </a:p>
-        </p:txBody>
-      </p:sp>
-      <p:sp>
-        <p:nvSpPr>
-          <p:cNvPr id="2054" name="灯片编号占位符 2053"/>
-          <p:cNvSpPr/>
-          <p:nvPr>
-            <p:ph type="sldNum" sz="quarter" idx="4"/>
-          </p:nvPr>
-        </p:nvSpPr>
-        <p:spPr>
-          <a:xfrm>
-            <a:off x="8737600" y="6245225"/>
-            <a:ext cx="2844800" cy="476250"/>
-          </a:xfrm>
-          <a:prstGeom prst="rect">
-            <a:avLst/>
-          </a:prstGeom>
-          <a:noFill/>
-          <a:ln w="9525">
-            <a:noFill/>
-            <a:miter/>
-          </a:ln>
-        </p:spPr>
-        <p:txBody>
-          <a:bodyPr anchor="t"/>
+          <p:cNvPr id="4" name="日期占位符 3"/>
+          <p:cNvSpPr>
+            <a:spLocks noGrp="1"/>
+          </p:cNvSpPr>
+          <p:nvPr>
+            <p:ph type="dt" sz="half" idx="10"/>
+          </p:nvPr>
+        </p:nvSpPr>
+        <p:spPr/>
+        <p:txBody>
+          <a:bodyPr/>
+          <a:lstStyle/>
+          <a:p>
+            <a:endParaRPr lang="zh-CN" altLang="en-US"/>
+          </a:p>
+        </p:txBody>
+      </p:sp>
+      <p:sp>
+        <p:nvSpPr>
+          <p:cNvPr id="5" name="页脚占位符 4"/>
+          <p:cNvSpPr>
+            <a:spLocks noGrp="1"/>
+          </p:cNvSpPr>
+          <p:nvPr>
+            <p:ph type="ftr" sz="quarter" idx="11"/>
+          </p:nvPr>
+        </p:nvSpPr>
+        <p:spPr/>
+        <p:txBody>
+          <a:bodyPr/>
+          <a:lstStyle/>
+          <a:p>
+            <a:endParaRPr lang="zh-CN" altLang="en-US"/>
+          </a:p>
+        </p:txBody>
+      </p:sp>
+      <p:sp>
+        <p:nvSpPr>
+          <p:cNvPr id="6" name="灯片编号占位符 5"/>
+          <p:cNvSpPr>
+            <a:spLocks noGrp="1"/>
+          </p:cNvSpPr>
+          <p:nvPr>
+            <p:ph type="sldNum" sz="quarter" idx="12"/>
+          </p:nvPr>
+        </p:nvSpPr>
+        <p:spPr/>
+        <p:txBody>
+          <a:bodyPr/>
+          <a:lstStyle/>
           <a:p>
             <a:fld id="{9A0DB2DC-4C9A-4742-B13C-FB6460FD3503}" type="slidenum">
-              <a:rPr lang="zh-CN"/>
+              <a:rPr lang="en-US" altLang="zh-CN"/>
             </a:fld>
             <a:endParaRPr lang="zh-CN"/>
           </a:p>
@@ -543,8 +495,8 @@
         </p:nvSpPr>
         <p:spPr>
           <a:xfrm>
-            <a:off x="8839200" y="404813"/>
-            <a:ext cx="2743200" cy="5721350"/>
+            <a:off x="8839200" y="274638"/>
+            <a:ext cx="2743200" cy="5851525"/>
           </a:xfrm>
         </p:spPr>
         <p:txBody>
@@ -571,8 +523,8 @@
         </p:nvSpPr>
         <p:spPr>
           <a:xfrm>
-            <a:off x="609600" y="404813"/>
-            <a:ext cx="8070573" cy="5721350"/>
+            <a:off x="609600" y="274638"/>
+            <a:ext cx="8070573" cy="5851525"/>
           </a:xfrm>
         </p:spPr>
         <p:txBody>
@@ -2431,12 +2383,11 @@
   <p:cSld>
     <p:bg>
       <p:bgPr>
-        <a:blipFill rotWithShape="0">
-          <a:blip r:embed="rId12"/>
-          <a:stretch>
-            <a:fillRect/>
-          </a:stretch>
-        </a:blipFill>
+        <a:solidFill>
+          <a:schemeClr val="bg1">
+            <a:alpha val="100000"/>
+          </a:schemeClr>
+        </a:solidFill>
         <a:effectLst/>
       </p:bgPr>
     </p:bg>
@@ -2446,19 +2397,28 @@
         <p:cNvGrpSpPr/>
         <p:nvPr/>
       </p:nvGrpSpPr>
-      <p:grpSpPr/>
-      <p:sp>
-        <p:nvSpPr>
-          <p:cNvPr id="1026" name="标题 1025"/>
-          <p:cNvSpPr/>
+      <p:grpSpPr>
+        <a:xfrm>
+          <a:off x="0" y="0"/>
+          <a:ext cx="0" cy="0"/>
+          <a:chOff x="0" y="0"/>
+          <a:chExt cx="0" cy="0"/>
+        </a:xfrm>
+      </p:grpSpPr>
+      <p:sp>
+        <p:nvSpPr>
+          <p:cNvPr id="1026" name="Rectangle 2"/>
+          <p:cNvSpPr>
+            <a:spLocks noGrp="1"/>
+          </p:cNvSpPr>
           <p:nvPr>
             <p:ph type="title"/>
           </p:nvPr>
         </p:nvSpPr>
         <p:spPr>
           <a:xfrm>
-            <a:off x="609600" y="404813"/>
-            <a:ext cx="10972800" cy="1012825"/>
+            <a:off x="609600" y="274638"/>
+            <a:ext cx="10972800" cy="1143000"/>
           </a:xfrm>
           <a:prstGeom prst="rect">
             <a:avLst/>
@@ -2471,20 +2431,22 @@
         </p:spPr>
         <p:txBody>
           <a:bodyPr anchor="ctr"/>
+          <a:lstStyle/>
           <a:p>
             <a:pPr lvl="0"/>
             <a:r>
               <a:rPr lang="zh-CN" altLang="en-US"/>
               <a:t>单击此处编辑母版标题样式</a:t>
             </a:r>
-            <a:endParaRPr lang="zh-CN" altLang="en-US"/>
-          </a:p>
-        </p:txBody>
-      </p:sp>
-      <p:sp>
-        <p:nvSpPr>
-          <p:cNvPr id="1027" name="文本占位符 1026"/>
-          <p:cNvSpPr/>
+          </a:p>
+        </p:txBody>
+      </p:sp>
+      <p:sp>
+        <p:nvSpPr>
+          <p:cNvPr id="1027" name="Rectangle 3"/>
+          <p:cNvSpPr>
+            <a:spLocks noGrp="1"/>
+          </p:cNvSpPr>
           <p:nvPr>
             <p:ph type="body" idx="1"/>
           </p:nvPr>
@@ -2505,6 +2467,7 @@
         </p:spPr>
         <p:txBody>
           <a:bodyPr/>
+          <a:lstStyle/>
           <a:p>
             <a:pPr lvl="0"/>
             <a:r>
@@ -2543,21 +2506,22 @@
               <a:rPr lang="zh-CN" altLang="en-US"/>
               <a:t>第五级</a:t>
             </a:r>
-            <a:endParaRPr lang="zh-CN" altLang="en-US"/>
-          </a:p>
-        </p:txBody>
-      </p:sp>
-      <p:sp>
-        <p:nvSpPr>
-          <p:cNvPr id="1028" name="日期占位符 1027"/>
-          <p:cNvSpPr/>
+          </a:p>
+        </p:txBody>
+      </p:sp>
+      <p:sp>
+        <p:nvSpPr>
+          <p:cNvPr id="1028" name="Rectangle 4"/>
+          <p:cNvSpPr>
+            <a:spLocks noGrp="1"/>
+          </p:cNvSpPr>
           <p:nvPr>
             <p:ph type="dt" sz="half" idx="2"/>
           </p:nvPr>
         </p:nvSpPr>
         <p:spPr>
           <a:xfrm>
-            <a:off x="609600" y="6337300"/>
+            <a:off x="609600" y="6245225"/>
             <a:ext cx="2844800" cy="476250"/>
           </a:xfrm>
           <a:prstGeom prst="rect">
@@ -2586,15 +2550,17 @@
       </p:sp>
       <p:sp>
         <p:nvSpPr>
-          <p:cNvPr id="1029" name="页脚占位符 1028"/>
-          <p:cNvSpPr/>
+          <p:cNvPr id="1029" name="Rectangle 5"/>
+          <p:cNvSpPr>
+            <a:spLocks noGrp="1"/>
+          </p:cNvSpPr>
           <p:nvPr>
             <p:ph type="ftr" sz="quarter" idx="3"/>
           </p:nvPr>
         </p:nvSpPr>
         <p:spPr>
           <a:xfrm>
-            <a:off x="4165600" y="6337300"/>
+            <a:off x="4165600" y="6245225"/>
             <a:ext cx="3860800" cy="476250"/>
           </a:xfrm>
           <a:prstGeom prst="rect">
@@ -2620,15 +2586,17 @@
       </p:sp>
       <p:sp>
         <p:nvSpPr>
-          <p:cNvPr id="1030" name="灯片编号占位符 1029"/>
-          <p:cNvSpPr/>
+          <p:cNvPr id="1030" name="Rectangle 6"/>
+          <p:cNvSpPr>
+            <a:spLocks noGrp="1"/>
+          </p:cNvSpPr>
           <p:nvPr>
             <p:ph type="sldNum" sz="quarter" idx="4"/>
           </p:nvPr>
         </p:nvSpPr>
         <p:spPr>
           <a:xfrm>
-            <a:off x="8737600" y="6337300"/>
+            <a:off x="8737600" y="6245225"/>
             <a:ext cx="2844800" cy="476250"/>
           </a:xfrm>
           <a:prstGeom prst="rect">
@@ -2644,11 +2612,7 @@
           <a:bodyPr/>
           <a:lstStyle>
             <a:lvl1pPr algn="r">
-              <a:defRPr sz="1400">
-                <a:solidFill>
-                  <a:schemeClr val="bg1"/>
-                </a:solidFill>
-              </a:defRPr>
+              <a:defRPr sz="1400"/>
             </a:lvl1pPr>
           </a:lstStyle>
           <a:p>
@@ -2688,11 +2652,8 @@
         <a:spcAft>
           <a:spcPct val="0"/>
         </a:spcAft>
-        <a:buClr>
-          <a:srgbClr val="000000"/>
-        </a:buClr>
         <a:buNone/>
-        <a:defRPr sz="4400" b="1" i="0" u="none" kern="1200" baseline="0">
+        <a:defRPr sz="4400" b="0" i="0" u="none" kern="1200" baseline="0">
           <a:solidFill>
             <a:schemeClr val="tx2"/>
           </a:solidFill>
@@ -2716,14 +2677,14 @@
         <a:buChar char="•"/>
         <a:defRPr sz="3200" b="0" i="0" u="none" kern="1200" baseline="0">
           <a:solidFill>
-            <a:schemeClr val="accent2"/>
+            <a:schemeClr val="tx1"/>
           </a:solidFill>
           <a:latin typeface="+mn-lt"/>
           <a:ea typeface="+mn-ea"/>
           <a:cs typeface="+mn-cs"/>
         </a:defRPr>
       </a:lvl1pPr>
-      <a:lvl2pPr marL="742950" lvl="1" indent="-285750" algn="l" defTabSz="914400" eaLnBrk="1" fontAlgn="base" latinLnBrk="0" hangingPunct="1">
+      <a:lvl2pPr marL="742950" lvl="1" indent="-285750" algn="l" defTabSz="914400" eaLnBrk="0" fontAlgn="base" latinLnBrk="0" hangingPunct="0">
         <a:lnSpc>
           <a:spcPct val="100000"/>
         </a:lnSpc>
@@ -2736,14 +2697,14 @@
         <a:buChar char="–"/>
         <a:defRPr sz="2800" b="0" i="0" u="none" kern="1200" baseline="0">
           <a:solidFill>
-            <a:schemeClr val="accent2"/>
+            <a:schemeClr val="tx1"/>
           </a:solidFill>
           <a:latin typeface="+mn-lt"/>
           <a:ea typeface="+mn-ea"/>
           <a:cs typeface="+mn-cs"/>
         </a:defRPr>
       </a:lvl2pPr>
-      <a:lvl3pPr marL="1143000" lvl="2" indent="-228600" algn="l" defTabSz="914400" eaLnBrk="1" fontAlgn="base" latinLnBrk="0" hangingPunct="1">
+      <a:lvl3pPr marL="1143000" lvl="2" indent="-228600" algn="l" defTabSz="914400" eaLnBrk="0" fontAlgn="base" latinLnBrk="0" hangingPunct="0">
         <a:lnSpc>
           <a:spcPct val="100000"/>
         </a:lnSpc>
@@ -2756,14 +2717,14 @@
         <a:buChar char="•"/>
         <a:defRPr sz="2400" b="0" i="0" u="none" kern="1200" baseline="0">
           <a:solidFill>
-            <a:schemeClr val="accent2"/>
+            <a:schemeClr val="tx1"/>
           </a:solidFill>
           <a:latin typeface="+mn-lt"/>
           <a:ea typeface="+mn-ea"/>
           <a:cs typeface="+mn-cs"/>
         </a:defRPr>
       </a:lvl3pPr>
-      <a:lvl4pPr marL="1600200" lvl="3" indent="-228600" algn="l" defTabSz="914400" eaLnBrk="1" fontAlgn="base" latinLnBrk="0" hangingPunct="1">
+      <a:lvl4pPr marL="1600200" lvl="3" indent="-228600" algn="l" defTabSz="914400" eaLnBrk="0" fontAlgn="base" latinLnBrk="0" hangingPunct="0">
         <a:lnSpc>
           <a:spcPct val="100000"/>
         </a:lnSpc>
@@ -2776,14 +2737,14 @@
         <a:buChar char="–"/>
         <a:defRPr sz="2000" b="0" i="0" u="none" kern="1200" baseline="0">
           <a:solidFill>
-            <a:schemeClr val="accent2"/>
+            <a:schemeClr val="tx1"/>
           </a:solidFill>
           <a:latin typeface="+mn-lt"/>
           <a:ea typeface="+mn-ea"/>
           <a:cs typeface="+mn-cs"/>
         </a:defRPr>
       </a:lvl4pPr>
-      <a:lvl5pPr marL="2057400" lvl="4" indent="-228600" algn="l" defTabSz="914400" eaLnBrk="1" fontAlgn="base" latinLnBrk="0" hangingPunct="1">
+      <a:lvl5pPr marL="2057400" lvl="4" indent="-228600" algn="l" defTabSz="914400" eaLnBrk="0" fontAlgn="base" latinLnBrk="0" hangingPunct="0">
         <a:lnSpc>
           <a:spcPct val="100000"/>
         </a:lnSpc>
@@ -2796,14 +2757,14 @@
         <a:buChar char="»"/>
         <a:defRPr sz="2000" b="0" i="0" u="none" kern="1200" baseline="0">
           <a:solidFill>
-            <a:schemeClr val="accent2"/>
+            <a:schemeClr val="tx1"/>
           </a:solidFill>
           <a:latin typeface="+mn-lt"/>
           <a:ea typeface="+mn-ea"/>
           <a:cs typeface="+mn-cs"/>
         </a:defRPr>
       </a:lvl5pPr>
-      <a:lvl6pPr marL="2514600" lvl="5" indent="-2147483640" algn="l" defTabSz="914400" eaLnBrk="1" fontAlgn="base" latinLnBrk="0" hangingPunct="1">
+      <a:lvl6pPr marL="2514600" lvl="5" indent="-51206400" algn="l" defTabSz="914400" eaLnBrk="0" fontAlgn="base" latinLnBrk="0" hangingPunct="0">
         <a:lnSpc>
           <a:spcPct val="100000"/>
         </a:lnSpc>
@@ -2816,14 +2777,14 @@
         <a:buChar char="»"/>
         <a:defRPr sz="2000" b="0" i="0" u="none" kern="1200" baseline="0">
           <a:solidFill>
-            <a:schemeClr val="accent2"/>
+            <a:schemeClr val="tx1"/>
           </a:solidFill>
           <a:latin typeface="+mn-lt"/>
           <a:ea typeface="+mn-ea"/>
           <a:cs typeface="+mn-cs"/>
         </a:defRPr>
       </a:lvl6pPr>
-      <a:lvl7pPr marL="2971800" lvl="6" indent="-2147483640" algn="l" defTabSz="914400" eaLnBrk="1" fontAlgn="base" latinLnBrk="0" hangingPunct="1">
+      <a:lvl7pPr marL="2971800" lvl="6" indent="-51206400" algn="l" defTabSz="914400" eaLnBrk="0" fontAlgn="base" latinLnBrk="0" hangingPunct="0">
         <a:lnSpc>
           <a:spcPct val="100000"/>
         </a:lnSpc>
@@ -2836,14 +2797,14 @@
         <a:buChar char="»"/>
         <a:defRPr sz="2000" b="0" i="0" u="none" kern="1200" baseline="0">
           <a:solidFill>
-            <a:schemeClr val="accent2"/>
+            <a:schemeClr val="tx1"/>
           </a:solidFill>
           <a:latin typeface="+mn-lt"/>
           <a:ea typeface="+mn-ea"/>
           <a:cs typeface="+mn-cs"/>
         </a:defRPr>
       </a:lvl7pPr>
-      <a:lvl8pPr marL="3429000" lvl="7" indent="-2147483640" algn="l" defTabSz="914400" eaLnBrk="1" fontAlgn="base" latinLnBrk="0" hangingPunct="1">
+      <a:lvl8pPr marL="3429000" lvl="7" indent="-51206400" algn="l" defTabSz="914400" eaLnBrk="0" fontAlgn="base" latinLnBrk="0" hangingPunct="0">
         <a:lnSpc>
           <a:spcPct val="100000"/>
         </a:lnSpc>
@@ -2856,14 +2817,14 @@
         <a:buChar char="»"/>
         <a:defRPr sz="2000" b="0" i="0" u="none" kern="1200" baseline="0">
           <a:solidFill>
-            <a:schemeClr val="accent2"/>
+            <a:schemeClr val="tx1"/>
           </a:solidFill>
           <a:latin typeface="+mn-lt"/>
           <a:ea typeface="+mn-ea"/>
           <a:cs typeface="+mn-cs"/>
         </a:defRPr>
       </a:lvl8pPr>
-      <a:lvl9pPr marL="3886200" lvl="8" indent="-2147483640" algn="l" defTabSz="914400" eaLnBrk="1" fontAlgn="base" latinLnBrk="0" hangingPunct="1">
+      <a:lvl9pPr marL="3886200" lvl="8" indent="-51206400" algn="l" defTabSz="914400" eaLnBrk="0" fontAlgn="base" latinLnBrk="0" hangingPunct="0">
         <a:lnSpc>
           <a:spcPct val="100000"/>
         </a:lnSpc>
@@ -2876,7 +2837,7 @@
         <a:buChar char="»"/>
         <a:defRPr sz="2000" b="0" i="0" u="none" kern="1200" baseline="0">
           <a:solidFill>
-            <a:schemeClr val="accent2"/>
+            <a:schemeClr val="tx1"/>
           </a:solidFill>
           <a:latin typeface="+mn-lt"/>
           <a:ea typeface="+mn-ea"/>
@@ -2895,6 +2856,7 @@
         <a:spcAft>
           <a:spcPct val="0"/>
         </a:spcAft>
+        <a:buFont typeface="DejaVu Sans" charset="0"/>
         <a:buNone/>
         <a:defRPr sz="1800" b="0" i="0" u="none" kern="1200" baseline="0">
           <a:solidFill>
@@ -2915,6 +2877,7 @@
         <a:spcAft>
           <a:spcPct val="0"/>
         </a:spcAft>
+        <a:buFont typeface="DejaVu Sans" charset="0"/>
         <a:buNone/>
         <a:defRPr sz="1800" b="0" i="0" u="none" kern="1200" baseline="0">
           <a:solidFill>
@@ -2935,6 +2898,7 @@
         <a:spcAft>
           <a:spcPct val="0"/>
         </a:spcAft>
+        <a:buFont typeface="DejaVu Sans" charset="0"/>
         <a:buNone/>
         <a:defRPr sz="1800" b="0" i="0" u="none" kern="1200" baseline="0">
           <a:solidFill>
@@ -2955,6 +2919,7 @@
         <a:spcAft>
           <a:spcPct val="0"/>
         </a:spcAft>
+        <a:buFont typeface="DejaVu Sans" charset="0"/>
         <a:buNone/>
         <a:defRPr sz="1800" b="0" i="0" u="none" kern="1200" baseline="0">
           <a:solidFill>
@@ -2975,6 +2940,7 @@
         <a:spcAft>
           <a:spcPct val="0"/>
         </a:spcAft>
+        <a:buFont typeface="DejaVu Sans" charset="0"/>
         <a:buNone/>
         <a:defRPr sz="1800" b="0" i="0" u="none" kern="1200" baseline="0">
           <a:solidFill>
@@ -2995,6 +2961,7 @@
         <a:spcAft>
           <a:spcPct val="0"/>
         </a:spcAft>
+        <a:buFont typeface="DejaVu Sans" charset="0"/>
         <a:buNone/>
         <a:defRPr sz="1800" b="0" i="0" u="none" kern="1200" baseline="0">
           <a:solidFill>
@@ -3015,6 +2982,7 @@
         <a:spcAft>
           <a:spcPct val="0"/>
         </a:spcAft>
+        <a:buFont typeface="DejaVu Sans" charset="0"/>
         <a:buNone/>
         <a:defRPr sz="1800" b="0" i="0" u="none" kern="1200" baseline="0">
           <a:solidFill>
@@ -3035,6 +3003,7 @@
         <a:spcAft>
           <a:spcPct val="0"/>
         </a:spcAft>
+        <a:buFont typeface="DejaVu Sans" charset="0"/>
         <a:buNone/>
         <a:defRPr sz="1800" b="0" i="0" u="none" kern="1200" baseline="0">
           <a:solidFill>
@@ -3055,6 +3024,7 @@
         <a:spcAft>
           <a:spcPct val="0"/>
         </a:spcAft>
+        <a:buFont typeface="DejaVu Sans" charset="0"/>
         <a:buNone/>
         <a:defRPr sz="1800" b="0" i="0" u="none" kern="1200" baseline="0">
           <a:solidFill>
@@ -3079,7 +3049,14 @@
         <p:cNvGrpSpPr/>
         <p:nvPr/>
       </p:nvGrpSpPr>
-      <p:grpSpPr/>
+      <p:grpSpPr>
+        <a:xfrm>
+          <a:off x="0" y="0"/>
+          <a:ext cx="0" cy="0"/>
+          <a:chOff x="0" y="0"/>
+          <a:chExt cx="0" cy="0"/>
+        </a:xfrm>
+      </p:grpSpPr>
       <p:sp>
         <p:nvSpPr>
           <p:cNvPr id="2" name="标题 1"/>
@@ -3092,18 +3069,18 @@
         </p:nvSpPr>
         <p:spPr>
           <a:xfrm>
-            <a:off x="4293235" y="1732915"/>
-            <a:ext cx="3956685" cy="1752600"/>
+            <a:off x="4248785" y="1718945"/>
+            <a:ext cx="3956685" cy="885825"/>
           </a:xfrm>
         </p:spPr>
         <p:txBody>
           <a:bodyPr/>
+          <a:lstStyle/>
           <a:p>
             <a:r>
               <a:rPr lang="x-none" altLang="zh-CN" b="1"/>
               <a:t>DNS子域授权</a:t>
             </a:r>
-            <a:endParaRPr lang="x-none" altLang="zh-CN" b="1"/>
           </a:p>
         </p:txBody>
       </p:sp>
@@ -3119,22 +3096,23 @@
         </p:nvSpPr>
         <p:spPr>
           <a:xfrm>
-            <a:off x="1746250" y="2945130"/>
-            <a:ext cx="8534400" cy="1545590"/>
+            <a:off x="1925955" y="2885440"/>
+            <a:ext cx="8534400" cy="664210"/>
           </a:xfrm>
         </p:spPr>
         <p:txBody>
           <a:bodyPr/>
-          <a:p>
-            <a:r>
-              <a:rPr lang="x-none" altLang="zh-CN" sz="2400" b="0"/>
-              <a:t>     </a:t>
-            </a:r>
-            <a:r>
-              <a:rPr lang="zh-CN" altLang="en-US" sz="2400" b="0"/>
-              <a:t>让父域的DNS服务器,可以解析子域DNS负责的域名</a:t>
-            </a:r>
-            <a:endParaRPr lang="zh-CN" altLang="en-US" sz="2400" b="0"/>
+          <a:lstStyle/>
+          <a:p>
+            <a:r>
+              <a:rPr lang="zh-CN" altLang="en-US" sz="2400" dirty="0" smtClean="0"/>
+              <a:t>讲解人：李</a:t>
+            </a:r>
+            <a:r>
+              <a:rPr lang="zh-CN" altLang="en-US" sz="2400" dirty="0"/>
+              <a:t>智建</a:t>
+            </a:r>
+            <a:endParaRPr lang="zh-CN" altLang="en-US" sz="2400" b="0" dirty="0"/>
           </a:p>
         </p:txBody>
       </p:sp>
@@ -3170,7 +3148,11 @@
         <p:txBody>
           <a:bodyPr/>
           <a:p>
-            <a:endParaRPr lang="zh-CN" altLang="en-US"/>
+            <a:r>
+              <a:rPr lang="x-none" altLang="zh-CN"/>
+              <a:t>你可以知道</a:t>
+            </a:r>
+            <a:endParaRPr lang="x-none" altLang="zh-CN"/>
           </a:p>
         </p:txBody>
       </p:sp>
@@ -3188,7 +3170,7 @@
         <p:txBody>
           <a:bodyPr/>
           <a:p>
-            <a:endParaRPr lang="zh-CN" altLang="en-US"/>
+            <a:endParaRPr lang="x-none" altLang="zh-CN"/>
           </a:p>
         </p:txBody>
       </p:sp>
@@ -3224,7 +3206,11 @@
         <p:txBody>
           <a:bodyPr/>
           <a:p>
-            <a:endParaRPr lang="zh-CN" altLang="en-US"/>
+            <a:r>
+              <a:rPr lang="x-none" altLang="zh-CN"/>
+              <a:t>什么是子域授权?</a:t>
+            </a:r>
+            <a:endParaRPr lang="x-none" altLang="zh-CN"/>
           </a:p>
         </p:txBody>
       </p:sp>
@@ -3238,11 +3224,82 @@
             <p:ph idx="1"/>
           </p:nvPr>
         </p:nvSpPr>
-        <p:spPr/>
-        <p:txBody>
-          <a:bodyPr/>
-          <a:p>
-            <a:endParaRPr lang="zh-CN" altLang="en-US"/>
+        <p:spPr>
+          <a:xfrm>
+            <a:off x="537845" y="2736850"/>
+            <a:ext cx="10972800" cy="1815465"/>
+          </a:xfrm>
+        </p:spPr>
+        <p:txBody>
+          <a:bodyPr/>
+          <a:p>
+            <a:r>
+              <a:rPr lang="x-none" altLang="zh-CN"/>
+              <a:t>谁给它授权,为什么需要授权</a:t>
+            </a:r>
+            <a:endParaRPr lang="x-none" altLang="zh-CN"/>
+          </a:p>
+          <a:p>
+            <a:endParaRPr lang="x-none" altLang="zh-CN"/>
+          </a:p>
+        </p:txBody>
+      </p:sp>
+      <p:sp>
+        <p:nvSpPr>
+          <p:cNvPr id="4" name="标题 1"/>
+          <p:cNvSpPr>
+            <a:spLocks noGrp="1"/>
+          </p:cNvSpPr>
+          <p:nvPr/>
+        </p:nvSpPr>
+        <p:spPr>
+          <a:xfrm>
+            <a:off x="495935" y="1538288"/>
+            <a:ext cx="10972800" cy="1143000"/>
+          </a:xfrm>
+          <a:prstGeom prst="rect">
+            <a:avLst/>
+          </a:prstGeom>
+          <a:noFill/>
+          <a:ln w="9525">
+            <a:noFill/>
+            <a:miter/>
+          </a:ln>
+        </p:spPr>
+        <p:txBody>
+          <a:bodyPr anchor="ctr"/>
+          <a:lstStyle>
+            <a:lvl1pPr marL="0" lvl="0" indent="0" algn="ctr" defTabSz="914400" eaLnBrk="1" fontAlgn="base" latinLnBrk="0" hangingPunct="1">
+              <a:lnSpc>
+                <a:spcPct val="100000"/>
+              </a:lnSpc>
+              <a:spcBef>
+                <a:spcPct val="0"/>
+              </a:spcBef>
+              <a:spcAft>
+                <a:spcPct val="0"/>
+              </a:spcAft>
+              <a:buNone/>
+              <a:defRPr sz="4400" b="0" i="0" u="none" kern="1200" baseline="0">
+                <a:solidFill>
+                  <a:schemeClr val="tx2"/>
+                </a:solidFill>
+                <a:latin typeface="+mj-lt"/>
+                <a:ea typeface="+mj-ea"/>
+                <a:cs typeface="+mj-cs"/>
+              </a:defRPr>
+            </a:lvl1pPr>
+          </a:lstStyle>
+          <a:p>
+            <a:r>
+              <a:rPr lang="x-none" altLang="zh-CN" sz="3600" dirty="0"/>
+              <a:t> </a:t>
+            </a:r>
+            <a:r>
+              <a:rPr lang="zh-CN" altLang="en-US" sz="3600" dirty="0"/>
+              <a:t>让父域的DNS服务器,可以解析子域DNS负责的域名</a:t>
+            </a:r>
+            <a:endParaRPr lang="zh-CN" altLang="en-US" sz="3600" dirty="0"/>
           </a:p>
         </p:txBody>
       </p:sp>
@@ -3278,7 +3335,11 @@
         <p:txBody>
           <a:bodyPr/>
           <a:p>
-            <a:endParaRPr lang="zh-CN" altLang="en-US"/>
+            <a:r>
+              <a:rPr lang="x-none" altLang="zh-CN"/>
+              <a:t>迭代解析,递归解析</a:t>
+            </a:r>
+            <a:endParaRPr lang="x-none" altLang="zh-CN"/>
           </a:p>
         </p:txBody>
       </p:sp>
@@ -3296,7 +3357,21 @@
         <p:txBody>
           <a:bodyPr/>
           <a:p>
-            <a:endParaRPr lang="zh-CN" altLang="en-US"/>
+            <a:r>
+              <a:rPr lang="x-none" altLang="zh-CN"/>
+              <a:t>什么是迭代,客户端在此中的角色,</a:t>
+            </a:r>
+            <a:endParaRPr lang="x-none" altLang="zh-CN"/>
+          </a:p>
+          <a:p>
+            <a:r>
+              <a:rPr lang="x-none" altLang="zh-CN"/>
+              <a:t>什么是递归,DNS服务器为什么需要关闭递归</a:t>
+            </a:r>
+            <a:endParaRPr lang="x-none" altLang="zh-CN"/>
+          </a:p>
+          <a:p>
+            <a:endParaRPr lang="x-none" altLang="zh-CN"/>
           </a:p>
         </p:txBody>
       </p:sp>
@@ -3317,6 +3392,509 @@
         <p:cNvGrpSpPr/>
         <p:nvPr/>
       </p:nvGrpSpPr>
+      <p:grpSpPr>
+        <a:xfrm>
+          <a:off x="0" y="0"/>
+          <a:ext cx="0" cy="0"/>
+          <a:chOff x="0" y="0"/>
+          <a:chExt cx="0" cy="0"/>
+        </a:xfrm>
+      </p:grpSpPr>
+      <p:sp>
+        <p:nvSpPr>
+          <p:cNvPr id="3" name="内容占位符 2"/>
+          <p:cNvSpPr>
+            <a:spLocks noGrp="1"/>
+          </p:cNvSpPr>
+          <p:nvPr>
+            <p:ph idx="1"/>
+          </p:nvPr>
+        </p:nvSpPr>
+        <p:spPr/>
+        <p:txBody>
+          <a:bodyPr/>
+          <a:lstStyle/>
+          <a:p>
+            <a:endParaRPr lang="zh-CN" altLang="en-US" sz="2000" dirty="0"/>
+          </a:p>
+        </p:txBody>
+      </p:sp>
+      <p:sp>
+        <p:nvSpPr>
+          <p:cNvPr id="5" name="标题 4"/>
+          <p:cNvSpPr/>
+          <p:nvPr>
+            <p:ph type="title"/>
+          </p:nvPr>
+        </p:nvSpPr>
+        <p:spPr/>
+        <p:txBody>
+          <a:bodyPr/>
+          <a:p>
+            <a:endParaRPr lang="zh-CN" altLang="en-US"/>
+          </a:p>
+        </p:txBody>
+      </p:sp>
+    </p:spTree>
+  </p:cSld>
+  <p:clrMapOvr>
+    <a:masterClrMapping/>
+  </p:clrMapOvr>
+</p:sld>
+</file>
+
+<file path=ppt/slides/slide6.xml><?xml version="1.0" encoding="utf-8"?>
+<p:sld xmlns:a="http://schemas.openxmlformats.org/drawingml/2006/main" xmlns:r="http://schemas.openxmlformats.org/officeDocument/2006/relationships" xmlns:p="http://schemas.openxmlformats.org/presentationml/2006/main">
+  <p:cSld>
+    <p:spTree>
+      <p:nvGrpSpPr>
+        <p:cNvPr id="1" name=""/>
+        <p:cNvGrpSpPr/>
+        <p:nvPr/>
+      </p:nvGrpSpPr>
+      <p:grpSpPr>
+        <a:xfrm>
+          <a:off x="0" y="0"/>
+          <a:ext cx="0" cy="0"/>
+          <a:chOff x="0" y="0"/>
+          <a:chExt cx="0" cy="0"/>
+        </a:xfrm>
+      </p:grpSpPr>
+      <p:sp>
+        <p:nvSpPr>
+          <p:cNvPr id="2" name="标题 1"/>
+          <p:cNvSpPr>
+            <a:spLocks noGrp="1"/>
+          </p:cNvSpPr>
+          <p:nvPr>
+            <p:ph type="title"/>
+          </p:nvPr>
+        </p:nvSpPr>
+        <p:spPr/>
+        <p:txBody>
+          <a:bodyPr/>
+          <a:lstStyle/>
+          <a:p>
+            <a:endParaRPr lang="x-none" altLang="zh-CN" dirty="0"/>
+          </a:p>
+        </p:txBody>
+      </p:sp>
+      <p:pic>
+        <p:nvPicPr>
+          <p:cNvPr id="4" name="内容占位符 3"/>
+          <p:cNvPicPr>
+            <a:picLocks noGrp="1" noChangeAspect="1"/>
+          </p:cNvPicPr>
+          <p:nvPr>
+            <p:ph idx="1"/>
+          </p:nvPr>
+        </p:nvPicPr>
+        <p:blipFill>
+          <a:blip r:embed="rId1">
+            <a:extLst>
+              <a:ext uri="{28A0092B-C50C-407E-A947-70E740481C1C}">
+                <a14:useLocalDpi xmlns:a14="http://schemas.microsoft.com/office/drawing/2010/main" val="0"/>
+              </a:ext>
+            </a:extLst>
+          </a:blip>
+          <a:stretch>
+            <a:fillRect/>
+          </a:stretch>
+        </p:blipFill>
+        <p:spPr>
+          <a:xfrm>
+            <a:off x="6943586" y="2063006"/>
+            <a:ext cx="4317717" cy="3127073"/>
+          </a:xfrm>
+        </p:spPr>
+      </p:pic>
+      <p:sp>
+        <p:nvSpPr>
+          <p:cNvPr id="5" name="矩形 4"/>
+          <p:cNvSpPr/>
+          <p:nvPr/>
+        </p:nvSpPr>
+        <p:spPr>
+          <a:xfrm>
+            <a:off x="1338132" y="2115924"/>
+            <a:ext cx="3441968" cy="369332"/>
+          </a:xfrm>
+          <a:prstGeom prst="rect">
+            <a:avLst/>
+          </a:prstGeom>
+        </p:spPr>
+        <p:txBody>
+          <a:bodyPr wrap="none">
+            <a:spAutoFit/>
+          </a:bodyPr>
+          <a:lstStyle/>
+          <a:p>
+            <a:r>
+              <a:rPr lang="zh-CN" altLang="en-US" dirty="0" smtClean="0"/>
+              <a:t>修改配置文件：</a:t>
+            </a:r>
+            <a:r>
+              <a:rPr lang="en-US" altLang="zh-CN" dirty="0" smtClean="0"/>
+              <a:t>/</a:t>
+            </a:r>
+            <a:r>
+              <a:rPr lang="en-US" altLang="zh-CN" dirty="0" err="1" smtClean="0"/>
+              <a:t>etc</a:t>
+            </a:r>
+            <a:r>
+              <a:rPr lang="en-US" altLang="zh-CN" dirty="0" smtClean="0"/>
+              <a:t>/</a:t>
+            </a:r>
+            <a:r>
+              <a:rPr lang="en-US" altLang="zh-CN" dirty="0" err="1" smtClean="0"/>
+              <a:t>named.conf</a:t>
+            </a:r>
+            <a:endParaRPr lang="en-US" altLang="zh-CN" dirty="0"/>
+          </a:p>
+        </p:txBody>
+      </p:sp>
+      <p:sp>
+        <p:nvSpPr>
+          <p:cNvPr id="6" name="矩形 5"/>
+          <p:cNvSpPr/>
+          <p:nvPr/>
+        </p:nvSpPr>
+        <p:spPr>
+          <a:xfrm>
+            <a:off x="1460943" y="1704682"/>
+            <a:ext cx="2390398" cy="369332"/>
+          </a:xfrm>
+          <a:prstGeom prst="rect">
+            <a:avLst/>
+          </a:prstGeom>
+        </p:spPr>
+        <p:txBody>
+          <a:bodyPr wrap="none">
+            <a:spAutoFit/>
+          </a:bodyPr>
+          <a:lstStyle/>
+          <a:p>
+            <a:r>
+              <a:rPr lang="zh-CN" altLang="en-US" dirty="0" smtClean="0"/>
+              <a:t>安装</a:t>
+            </a:r>
+            <a:r>
+              <a:rPr lang="en-US" altLang="zh-CN" dirty="0" err="1" smtClean="0"/>
+              <a:t>bind&amp;bind-chroot</a:t>
+            </a:r>
+            <a:endParaRPr lang="zh-CN" altLang="en-US" dirty="0"/>
+          </a:p>
+        </p:txBody>
+      </p:sp>
+      <p:sp>
+        <p:nvSpPr>
+          <p:cNvPr id="7" name="矩形 6"/>
+          <p:cNvSpPr/>
+          <p:nvPr/>
+        </p:nvSpPr>
+        <p:spPr>
+          <a:xfrm>
+            <a:off x="1423670" y="2538095"/>
+            <a:ext cx="4337685" cy="640080"/>
+          </a:xfrm>
+          <a:prstGeom prst="rect">
+            <a:avLst/>
+          </a:prstGeom>
+        </p:spPr>
+        <p:txBody>
+          <a:bodyPr wrap="square">
+            <a:spAutoFit/>
+          </a:bodyPr>
+          <a:lstStyle/>
+          <a:p>
+            <a:r>
+              <a:rPr lang="en-US" altLang="zh-CN" dirty="0" err="1" smtClean="0"/>
+              <a:t>Systemctl</a:t>
+            </a:r>
+            <a:r>
+              <a:rPr lang="en-US" altLang="zh-CN" dirty="0" smtClean="0"/>
+              <a:t>  start  named</a:t>
+            </a:r>
+            <a:endParaRPr lang="en-US" altLang="zh-CN" dirty="0" smtClean="0"/>
+          </a:p>
+          <a:p>
+            <a:r>
+              <a:rPr lang="en-US" altLang="zh-CN" dirty="0" err="1" smtClean="0"/>
+              <a:t>Systemctl</a:t>
+            </a:r>
+            <a:r>
+              <a:rPr lang="en-US" altLang="zh-CN" dirty="0" smtClean="0"/>
+              <a:t>  enable  named</a:t>
+            </a:r>
+            <a:endParaRPr lang="zh-CN" altLang="en-US" dirty="0"/>
+          </a:p>
+        </p:txBody>
+      </p:sp>
+      <p:sp>
+        <p:nvSpPr>
+          <p:cNvPr id="8" name="矩形 7"/>
+          <p:cNvSpPr/>
+          <p:nvPr/>
+        </p:nvSpPr>
+        <p:spPr>
+          <a:xfrm>
+            <a:off x="1150620" y="3180715"/>
+            <a:ext cx="5309235" cy="1463040"/>
+          </a:xfrm>
+          <a:prstGeom prst="rect">
+            <a:avLst/>
+          </a:prstGeom>
+        </p:spPr>
+        <p:txBody>
+          <a:bodyPr wrap="square">
+            <a:spAutoFit/>
+          </a:bodyPr>
+          <a:lstStyle/>
+          <a:p>
+            <a:r>
+              <a:rPr lang="en-US" altLang="zh-CN" dirty="0" smtClean="0"/>
+              <a:t>#  </a:t>
+            </a:r>
+            <a:r>
+              <a:rPr lang="en-US" altLang="zh-CN" dirty="0" err="1" smtClean="0"/>
+              <a:t>cp</a:t>
+            </a:r>
+            <a:r>
+              <a:rPr lang="en-US" altLang="zh-CN" dirty="0" smtClean="0"/>
+              <a:t>  /</a:t>
+            </a:r>
+            <a:r>
+              <a:rPr lang="en-US" altLang="zh-CN" dirty="0" err="1" smtClean="0"/>
+              <a:t>etc</a:t>
+            </a:r>
+            <a:r>
+              <a:rPr lang="en-US" altLang="zh-CN" dirty="0" smtClean="0"/>
+              <a:t>/</a:t>
+            </a:r>
+            <a:r>
+              <a:rPr lang="en-US" altLang="zh-CN" dirty="0" err="1" smtClean="0"/>
+              <a:t>named.conf</a:t>
+            </a:r>
+            <a:r>
+              <a:rPr lang="en-US" altLang="zh-CN" dirty="0" smtClean="0"/>
+              <a:t>  /</a:t>
+            </a:r>
+            <a:r>
+              <a:rPr lang="en-US" altLang="zh-CN" dirty="0" err="1" smtClean="0"/>
+              <a:t>etc</a:t>
+            </a:r>
+            <a:r>
+              <a:rPr lang="en-US" altLang="zh-CN" dirty="0" smtClean="0"/>
+              <a:t>/</a:t>
+            </a:r>
+            <a:r>
+              <a:rPr lang="en-US" altLang="zh-CN" dirty="0" err="1" smtClean="0"/>
+              <a:t>named.bak</a:t>
+            </a:r>
+            <a:endParaRPr lang="en-US" altLang="zh-CN" dirty="0" smtClean="0"/>
+          </a:p>
+          <a:p>
+            <a:r>
+              <a:rPr lang="en-US" altLang="zh-CN" dirty="0" smtClean="0"/>
+              <a:t>#  vim  /</a:t>
+            </a:r>
+            <a:r>
+              <a:rPr lang="en-US" altLang="zh-CN" dirty="0" err="1" smtClean="0"/>
+              <a:t>etc</a:t>
+            </a:r>
+            <a:r>
+              <a:rPr lang="en-US" altLang="zh-CN" dirty="0" smtClean="0"/>
+              <a:t>/</a:t>
+            </a:r>
+            <a:r>
+              <a:rPr lang="en-US" altLang="zh-CN" dirty="0" err="1" smtClean="0"/>
+              <a:t>named.conf</a:t>
+            </a:r>
+            <a:endParaRPr lang="en-US" altLang="zh-CN" dirty="0" smtClean="0"/>
+          </a:p>
+          <a:p>
+            <a:r>
+              <a:rPr lang="en-US" altLang="zh-CN" dirty="0" smtClean="0"/>
+              <a:t>#  cd /</a:t>
+            </a:r>
+            <a:r>
+              <a:rPr lang="en-US" altLang="zh-CN" dirty="0" err="1" smtClean="0"/>
+              <a:t>var</a:t>
+            </a:r>
+            <a:r>
+              <a:rPr lang="en-US" altLang="zh-CN" dirty="0" smtClean="0"/>
+              <a:t>/named</a:t>
+            </a:r>
+            <a:endParaRPr lang="en-US" altLang="zh-CN" dirty="0" smtClean="0"/>
+          </a:p>
+          <a:p>
+            <a:r>
+              <a:rPr lang="en-US" altLang="zh-CN" dirty="0" smtClean="0"/>
+              <a:t>#  </a:t>
+            </a:r>
+            <a:r>
+              <a:rPr lang="en-US" altLang="zh-CN" dirty="0" err="1" smtClean="0"/>
+              <a:t>cp</a:t>
+            </a:r>
+            <a:r>
+              <a:rPr lang="en-US" altLang="zh-CN" dirty="0" smtClean="0"/>
+              <a:t> </a:t>
+            </a:r>
+            <a:r>
+              <a:rPr lang="en-US" altLang="zh-CN" dirty="0" smtClean="0">
+                <a:solidFill>
+                  <a:srgbClr val="FF0000"/>
+                </a:solidFill>
+              </a:rPr>
+              <a:t>–p</a:t>
+            </a:r>
+            <a:r>
+              <a:rPr lang="en-US" altLang="zh-CN" dirty="0" smtClean="0"/>
+              <a:t> </a:t>
+            </a:r>
+            <a:r>
+              <a:rPr lang="en-US" altLang="zh-CN" dirty="0" err="1" smtClean="0"/>
+              <a:t>named.localhost</a:t>
+            </a:r>
+            <a:r>
+              <a:rPr lang="en-US" altLang="zh-CN" dirty="0" smtClean="0"/>
+              <a:t>  </a:t>
+            </a:r>
+            <a:r>
+              <a:rPr lang="en-US" altLang="zh-CN" dirty="0" err="1" smtClean="0"/>
+              <a:t>a.com.zone</a:t>
+            </a:r>
+            <a:endParaRPr lang="en-US" altLang="zh-CN" dirty="0" err="1" smtClean="0"/>
+          </a:p>
+          <a:p>
+            <a:r>
+              <a:rPr lang="x-none" altLang="en-US" dirty="0" smtClean="0"/>
+              <a:t>#  vim a.com.zone</a:t>
+            </a:r>
+            <a:endParaRPr lang="x-none" altLang="en-US" dirty="0" smtClean="0"/>
+          </a:p>
+        </p:txBody>
+      </p:sp>
+    </p:spTree>
+  </p:cSld>
+  <p:clrMapOvr>
+    <a:masterClrMapping/>
+  </p:clrMapOvr>
+</p:sld>
+</file>
+
+<file path=ppt/slides/slide7.xml><?xml version="1.0" encoding="utf-8"?>
+<p:sld xmlns:a="http://schemas.openxmlformats.org/drawingml/2006/main" xmlns:r="http://schemas.openxmlformats.org/officeDocument/2006/relationships" xmlns:p="http://schemas.openxmlformats.org/presentationml/2006/main">
+  <p:cSld>
+    <p:spTree>
+      <p:nvGrpSpPr>
+        <p:cNvPr id="1" name=""/>
+        <p:cNvGrpSpPr/>
+        <p:nvPr/>
+      </p:nvGrpSpPr>
+      <p:grpSpPr>
+        <a:xfrm>
+          <a:off x="0" y="0"/>
+          <a:ext cx="0" cy="0"/>
+          <a:chOff x="0" y="0"/>
+          <a:chExt cx="0" cy="0"/>
+        </a:xfrm>
+      </p:grpSpPr>
+      <p:sp>
+        <p:nvSpPr>
+          <p:cNvPr id="2" name="标题 1"/>
+          <p:cNvSpPr>
+            <a:spLocks noGrp="1"/>
+          </p:cNvSpPr>
+          <p:nvPr>
+            <p:ph type="title"/>
+          </p:nvPr>
+        </p:nvSpPr>
+        <p:spPr/>
+        <p:txBody>
+          <a:bodyPr/>
+          <a:lstStyle/>
+          <a:p>
+            <a:endParaRPr lang="zh-CN" altLang="en-US" dirty="0"/>
+          </a:p>
+        </p:txBody>
+      </p:sp>
+      <p:pic>
+        <p:nvPicPr>
+          <p:cNvPr id="4" name="内容占位符 3"/>
+          <p:cNvPicPr>
+            <a:picLocks noGrp="1" noChangeAspect="1"/>
+          </p:cNvPicPr>
+          <p:nvPr>
+            <p:ph idx="1"/>
+          </p:nvPr>
+        </p:nvPicPr>
+        <p:blipFill>
+          <a:blip r:embed="rId1">
+            <a:extLst>
+              <a:ext uri="{28A0092B-C50C-407E-A947-70E740481C1C}">
+                <a14:useLocalDpi xmlns:a14="http://schemas.microsoft.com/office/drawing/2010/main" val="0"/>
+              </a:ext>
+            </a:extLst>
+          </a:blip>
+          <a:stretch>
+            <a:fillRect/>
+          </a:stretch>
+        </p:blipFill>
+        <p:spPr>
+          <a:xfrm>
+            <a:off x="297815" y="1560830"/>
+            <a:ext cx="6062345" cy="3621405"/>
+          </a:xfrm>
+        </p:spPr>
+      </p:pic>
+      <p:pic>
+        <p:nvPicPr>
+          <p:cNvPr id="5" name="图片 4"/>
+          <p:cNvPicPr>
+            <a:picLocks noChangeAspect="1"/>
+          </p:cNvPicPr>
+          <p:nvPr/>
+        </p:nvPicPr>
+        <p:blipFill>
+          <a:blip r:embed="rId2">
+            <a:extLst>
+              <a:ext uri="{28A0092B-C50C-407E-A947-70E740481C1C}">
+                <a14:useLocalDpi xmlns:a14="http://schemas.microsoft.com/office/drawing/2010/main" val="0"/>
+              </a:ext>
+            </a:extLst>
+          </a:blip>
+          <a:stretch>
+            <a:fillRect/>
+          </a:stretch>
+        </p:blipFill>
+        <p:spPr>
+          <a:xfrm>
+            <a:off x="6402705" y="1414780"/>
+            <a:ext cx="5151755" cy="4315460"/>
+          </a:xfrm>
+          <a:prstGeom prst="rect">
+            <a:avLst/>
+          </a:prstGeom>
+        </p:spPr>
+      </p:pic>
+    </p:spTree>
+  </p:cSld>
+  <p:clrMapOvr>
+    <a:masterClrMapping/>
+  </p:clrMapOvr>
+</p:sld>
+</file>
+
+<file path=ppt/slides/slide8.xml><?xml version="1.0" encoding="utf-8"?>
+<p:sld xmlns:a="http://schemas.openxmlformats.org/drawingml/2006/main" xmlns:r="http://schemas.openxmlformats.org/officeDocument/2006/relationships" xmlns:p="http://schemas.openxmlformats.org/presentationml/2006/main">
+  <p:cSld>
+    <p:spTree>
+      <p:nvGrpSpPr>
+        <p:cNvPr id="1" name=""/>
+        <p:cNvGrpSpPr/>
+        <p:nvPr/>
+      </p:nvGrpSpPr>
       <p:grpSpPr/>
       <p:sp>
         <p:nvSpPr>
@@ -3333,6 +3911,64 @@
           <a:bodyPr/>
           <a:p>
             <a:endParaRPr lang="zh-CN" altLang="en-US"/>
+          </a:p>
+        </p:txBody>
+      </p:sp>
+      <p:sp>
+        <p:nvSpPr>
+          <p:cNvPr id="3" name="内容占位符 2"/>
+          <p:cNvSpPr>
+            <a:spLocks noGrp="1"/>
+          </p:cNvSpPr>
+          <p:nvPr>
+            <p:ph idx="1"/>
+          </p:nvPr>
+        </p:nvSpPr>
+        <p:spPr/>
+        <p:txBody>
+          <a:bodyPr/>
+          <a:p>
+            <a:endParaRPr lang="zh-CN" altLang="en-US"/>
+          </a:p>
+        </p:txBody>
+      </p:sp>
+    </p:spTree>
+  </p:cSld>
+  <p:clrMapOvr>
+    <a:masterClrMapping/>
+  </p:clrMapOvr>
+</p:sld>
+</file>
+
+<file path=ppt/slides/slide9.xml><?xml version="1.0" encoding="utf-8"?>
+<p:sld xmlns:a="http://schemas.openxmlformats.org/drawingml/2006/main" xmlns:r="http://schemas.openxmlformats.org/officeDocument/2006/relationships" xmlns:p="http://schemas.openxmlformats.org/presentationml/2006/main">
+  <p:cSld>
+    <p:spTree>
+      <p:nvGrpSpPr>
+        <p:cNvPr id="1" name=""/>
+        <p:cNvGrpSpPr/>
+        <p:nvPr/>
+      </p:nvGrpSpPr>
+      <p:grpSpPr/>
+      <p:sp>
+        <p:nvSpPr>
+          <p:cNvPr id="2" name="标题 1"/>
+          <p:cNvSpPr>
+            <a:spLocks noGrp="1"/>
+          </p:cNvSpPr>
+          <p:nvPr>
+            <p:ph type="title"/>
+          </p:nvPr>
+        </p:nvSpPr>
+        <p:spPr/>
+        <p:txBody>
+          <a:bodyPr/>
+          <a:p>
+            <a:r>
+              <a:rPr lang="x-none" altLang="zh-CN"/>
+              <a:t>DNS总结</a:t>
+            </a:r>
+            <a:endParaRPr lang="x-none" altLang="zh-CN"/>
           </a:p>
         </p:txBody>
       </p:sp>
@@ -3363,44 +3999,44 @@
 </file>
 
 <file path=ppt/theme/theme1.xml><?xml version="1.0" encoding="utf-8"?>
-<a:theme xmlns:a="http://schemas.openxmlformats.org/drawingml/2006/main" name="商务_公务">
+<a:theme xmlns:a="http://schemas.openxmlformats.org/drawingml/2006/main" name="默认设计模板">
   <a:themeElements>
     <a:clrScheme name="">
       <a:dk1>
-        <a:srgbClr val="003300"/>
+        <a:srgbClr val="000000"/>
       </a:dk1>
       <a:lt1>
-        <a:srgbClr val="523E26"/>
+        <a:srgbClr val="FFFFFF"/>
       </a:lt1>
       <a:dk2>
-        <a:srgbClr val="DFC08D"/>
+        <a:srgbClr val="000000"/>
       </a:dk2>
       <a:lt2>
-        <a:srgbClr val="2D2015"/>
+        <a:srgbClr val="808080"/>
       </a:lt2>
       <a:accent1>
-        <a:srgbClr val="8C7B70"/>
+        <a:srgbClr val="A7C6E5"/>
       </a:accent1>
       <a:accent2>
-        <a:srgbClr val="8F5F2F"/>
+        <a:srgbClr val="333399"/>
       </a:accent2>
       <a:accent3>
-        <a:srgbClr val="B3AFAB"/>
+        <a:srgbClr val="FFFFFF"/>
       </a:accent3>
       <a:accent4>
-        <a:srgbClr val="002A00"/>
+        <a:srgbClr val="000000"/>
       </a:accent4>
       <a:accent5>
-        <a:srgbClr val="C5BFBC"/>
+        <a:srgbClr val="D0DFEF"/>
       </a:accent5>
       <a:accent6>
-        <a:srgbClr val="805529"/>
+        <a:srgbClr val="2D2D89"/>
       </a:accent6>
       <a:hlink>
-        <a:srgbClr val="CCB400"/>
+        <a:srgbClr val="009999"/>
       </a:hlink>
       <a:folHlink>
-        <a:srgbClr val="8C9EA0"/>
+        <a:srgbClr val="99CC00"/>
       </a:folHlink>
     </a:clrScheme>
     <a:fontScheme name="">
@@ -3599,7 +4235,7 @@
           <a:srgbClr val="808080"/>
         </a:lt2>
         <a:accent1>
-          <a:srgbClr val="BBE0E3"/>
+          <a:srgbClr val="A7C6E5"/>
         </a:accent1>
         <a:accent2>
           <a:srgbClr val="333399"/>
@@ -3611,7 +4247,7 @@
           <a:srgbClr val="000000"/>
         </a:accent4>
         <a:accent5>
-          <a:srgbClr val="D9EDEE"/>
+          <a:srgbClr val="D0DFEF"/>
         </a:accent5>
         <a:accent6>
           <a:srgbClr val="2D2D89"/>
@@ -3681,7 +4317,7 @@
           <a:srgbClr val="808080"/>
         </a:lt2>
         <a:accent1>
-          <a:srgbClr val="99CCFF"/>
+          <a:srgbClr val="97CCFF"/>
         </a:accent1>
         <a:accent2>
           <a:srgbClr val="CCCCFF"/>
@@ -3693,7 +4329,7 @@
           <a:srgbClr val="000000"/>
         </a:accent4>
         <a:accent5>
-          <a:srgbClr val="CAE2FF"/>
+          <a:srgbClr val="C9E2FF"/>
         </a:accent5>
         <a:accent6>
           <a:srgbClr val="B7B7E5"/>
